--- a/Examples/Data/Slides/CRUD/SplitFileToMultiFiles_out1.pptx
+++ b/Examples/Data/Slides/CRUD/SplitFileToMultiFiles_out1.pptx
@@ -716,7 +716,7 @@
           <a:bodyPr/>
           <a:lstStyle/>
           <a:p>
-            <a:fld id="{63552B94-326F-45E0-945C-169644A103AC}" type="datetimeFigureOut">
+            <a:fld id="{13D643E5-E673-4503-BF5C-F9E064196E78}" type="datetimeFigureOut">
               <a:rPr lang="en-US" smtClean="0"/>
               <a:t>11/7/2009</a:t>
             </a:fld>
@@ -880,7 +880,7 @@
           <a:bodyPr/>
           <a:lstStyle/>
           <a:p>
-            <a:fld id="{3CC386A7-7242-4D37-814D-AA2470352DC8}" type="datetimeFigureOut">
+            <a:fld id="{136D259A-D19C-4A86-AE9B-A8ED607936D8}" type="datetimeFigureOut">
               <a:rPr lang="en-US" smtClean="0"/>
               <a:t>11/7/2009</a:t>
             </a:fld>
@@ -1044,7 +1044,7 @@
           <a:bodyPr/>
           <a:lstStyle/>
           <a:p>
-            <a:fld id="{75B95D7D-420C-4D86-A63A-E90B5714B255}" type="datetimeFigureOut">
+            <a:fld id="{67CBD285-BFE6-47F5-97D1-4110C03F237D}" type="datetimeFigureOut">
               <a:rPr lang="en-US" smtClean="0"/>
               <a:t>11/7/2009</a:t>
             </a:fld>
@@ -1298,7 +1298,7 @@
           <a:bodyPr/>
           <a:lstStyle/>
           <a:p>
-            <a:fld id="{E743B240-81EB-4661-9658-6D5F15995725}" type="datetimeFigureOut">
+            <a:fld id="{4A293AD4-D5E6-4B48-8F41-3FFE10268190}" type="datetimeFigureOut">
               <a:rPr lang="en-US" smtClean="0"/>
               <a:t>11/7/2009</a:t>
             </a:fld>
@@ -1528,7 +1528,7 @@
           <a:bodyPr/>
           <a:lstStyle/>
           <a:p>
-            <a:fld id="{E3B116B4-7EC8-4971-AEE2-C6C09E93AC10}" type="datetimeFigureOut">
+            <a:fld id="{0B28470B-60C3-4FC6-BCB6-EDE47D3430F3}" type="datetimeFigureOut">
               <a:rPr lang="en-US" smtClean="0"/>
               <a:t>11/7/2009</a:t>
             </a:fld>
@@ -1799,7 +1799,7 @@
           <a:bodyPr/>
           <a:lstStyle/>
           <a:p>
-            <a:fld id="{54104B9F-D827-4FEC-89F3-F322323A7FAD}" type="datetimeFigureOut">
+            <a:fld id="{5F241194-D658-4AD0-8796-8090E03C37D2}" type="datetimeFigureOut">
               <a:rPr lang="en-US" smtClean="0"/>
               <a:t>11/7/2009</a:t>
             </a:fld>
@@ -2188,7 +2188,7 @@
           <a:bodyPr/>
           <a:lstStyle/>
           <a:p>
-            <a:fld id="{25BF660D-E685-4485-9A13-5BF59D87914A}" type="datetimeFigureOut">
+            <a:fld id="{106226F8-1D9F-4BC2-9177-2F8B45EF6D03}" type="datetimeFigureOut">
               <a:rPr lang="en-US" smtClean="0"/>
               <a:t>11/7/2009</a:t>
             </a:fld>
@@ -2301,7 +2301,7 @@
           <a:bodyPr/>
           <a:lstStyle/>
           <a:p>
-            <a:fld id="{C2E0DA66-1165-4E06-B113-E44163F3AAB8}" type="datetimeFigureOut">
+            <a:fld id="{A6D7F94E-3ADF-4380-A606-03E4C3957066}" type="datetimeFigureOut">
               <a:rPr lang="en-US" smtClean="0"/>
               <a:t>11/7/2009</a:t>
             </a:fld>
@@ -2391,7 +2391,7 @@
           <a:bodyPr/>
           <a:lstStyle/>
           <a:p>
-            <a:fld id="{51EE319E-E715-464B-B74E-38D8BA1FD194}" type="datetimeFigureOut">
+            <a:fld id="{68265D5E-4C2A-46FF-8492-F49F1E44BDC0}" type="datetimeFigureOut">
               <a:rPr lang="en-US" smtClean="0"/>
               <a:t>11/7/2009</a:t>
             </a:fld>
@@ -2646,7 +2646,7 @@
           <a:bodyPr/>
           <a:lstStyle/>
           <a:p>
-            <a:fld id="{A7A3610E-1655-410C-9E6E-A55881C374DB}" type="datetimeFigureOut">
+            <a:fld id="{97531BDB-8715-409F-ACE4-BE945E5E781E}" type="datetimeFigureOut">
               <a:rPr lang="en-US" smtClean="0"/>
               <a:t>11/7/2009</a:t>
             </a:fld>
@@ -2878,7 +2878,7 @@
           <a:bodyPr/>
           <a:lstStyle/>
           <a:p>
-            <a:fld id="{DB471432-F279-4783-A4A9-46B4CFDE5664}" type="datetimeFigureOut">
+            <a:fld id="{8BF5DDBF-F3BB-4635-A27D-BE2E36EE1C06}" type="datetimeFigureOut">
               <a:rPr lang="en-US" smtClean="0"/>
               <a:t>11/7/2009</a:t>
             </a:fld>
